--- a/Spoofs Presentation[Final].pptx
+++ b/Spoofs Presentation[Final].pptx
@@ -1,14 +1,14 @@
 
 <file path=ppt/presentation.xml><?xml version="1.0" encoding="utf-8"?>
-<p:presentation xmlns:a="http://schemas.openxmlformats.org/drawingml/2006/main" xmlns:r="http://schemas.openxmlformats.org/officeDocument/2006/relationships" xmlns:mc="http://schemas.openxmlformats.org/markup-compatibility/2006" xmlns:mv="urn:schemas-microsoft-com:mac:vml" xmlns:p="http://schemas.openxmlformats.org/presentationml/2006/main" mc:Ignorable="mv" mc:PreserveAttributes="mv:*" firstSlideNum="0" showSpecialPlsOnTitleSld="0" saveSubsetFonts="1" autoCompressPictures="0">
+<p:presentation xmlns:a="http://schemas.openxmlformats.org/drawingml/2006/main" xmlns:r="http://schemas.openxmlformats.org/officeDocument/2006/relationships" xmlns:p="http://schemas.openxmlformats.org/presentationml/2006/main" firstSlideNum="0" showSpecialPlsOnTitleSld="0" saveSubsetFonts="1" autoCompressPictures="0">
   <p:sldMasterIdLst>
     <p:sldMasterId id="2147483660" r:id="rId1"/>
   </p:sldMasterIdLst>
   <p:notesMasterIdLst>
-    <p:notesMasterId r:id="rId17"/>
+    <p:notesMasterId r:id="rId18"/>
   </p:notesMasterIdLst>
   <p:handoutMasterIdLst>
-    <p:handoutMasterId r:id="rId18"/>
+    <p:handoutMasterId r:id="rId19"/>
   </p:handoutMasterIdLst>
   <p:sldIdLst>
     <p:sldId id="256" r:id="rId2"/>
@@ -26,6 +26,7 @@
     <p:sldId id="267" r:id="rId14"/>
     <p:sldId id="268" r:id="rId15"/>
     <p:sldId id="269" r:id="rId16"/>
+    <p:sldId id="272" r:id="rId17"/>
   </p:sldIdLst>
   <p:sldSz cx="9144000" cy="6858000" type="screen4x3"/>
   <p:notesSz cx="6858000" cy="9144000"/>
@@ -128,7 +129,7 @@
 </file>
 
 <file path=ppt/handoutMasters/handoutMaster1.xml><?xml version="1.0" encoding="utf-8"?>
-<p:handoutMaster xmlns:a="http://schemas.openxmlformats.org/drawingml/2006/main" xmlns:r="http://schemas.openxmlformats.org/officeDocument/2006/relationships" xmlns:mc="http://schemas.openxmlformats.org/markup-compatibility/2006" xmlns:mv="urn:schemas-microsoft-com:mac:vml" xmlns:p="http://schemas.openxmlformats.org/presentationml/2006/main" mc:Ignorable="mv" mc:PreserveAttributes="mv:*">
+<p:handoutMaster xmlns:a="http://schemas.openxmlformats.org/drawingml/2006/main" xmlns:r="http://schemas.openxmlformats.org/officeDocument/2006/relationships" xmlns:p="http://schemas.openxmlformats.org/presentationml/2006/main">
   <p:cSld>
     <p:bg>
       <p:bgRef idx="1001">
@@ -209,7 +210,8 @@
           <a:p>
             <a:fld id="{BFDD7F1E-6C11-664E-8F4C-2037F2F1AC15}" type="datetimeFigureOut">
               <a:rPr lang="en-US" smtClean="0"/>
-              <a:t>12/10/09</a:t>
+              <a:pPr/>
+              <a:t>12/10/2009</a:t>
             </a:fld>
             <a:endParaRPr lang="en-US"/>
           </a:p>
@@ -275,6 +277,7 @@
           <a:p>
             <a:fld id="{5C4FC8AC-CE9B-1A40-AF4B-10E06BFEF886}" type="slidenum">
               <a:rPr lang="en-US" smtClean="0"/>
+              <a:pPr/>
               <a:t>‹#›</a:t>
             </a:fld>
             <a:endParaRPr lang="en-US"/>
@@ -289,7 +292,7 @@
 </file>
 
 <file path=ppt/notesMasters/notesMaster1.xml><?xml version="1.0" encoding="utf-8"?>
-<p:notesMaster xmlns:a="http://schemas.openxmlformats.org/drawingml/2006/main" xmlns:r="http://schemas.openxmlformats.org/officeDocument/2006/relationships" xmlns:mc="http://schemas.openxmlformats.org/markup-compatibility/2006" xmlns:mv="urn:schemas-microsoft-com:mac:vml" xmlns:p="http://schemas.openxmlformats.org/presentationml/2006/main" mc:Ignorable="mv" mc:PreserveAttributes="mv:*">
+<p:notesMaster xmlns:a="http://schemas.openxmlformats.org/drawingml/2006/main" xmlns:r="http://schemas.openxmlformats.org/officeDocument/2006/relationships" xmlns:p="http://schemas.openxmlformats.org/presentationml/2006/main">
   <p:cSld>
     <p:bg>
       <p:bgRef idx="1001">
@@ -370,7 +373,8 @@
           <a:p>
             <a:fld id="{1BB9BF40-32A7-B04A-988D-C70E429320CF}" type="datetimeFigureOut">
               <a:rPr lang="en-US" smtClean="0"/>
-              <a:t>12/10/09</a:t>
+              <a:pPr/>
+              <a:t>12/10/2009</a:t>
             </a:fld>
             <a:endParaRPr lang="en-US"/>
           </a:p>
@@ -531,6 +535,7 @@
           <a:p>
             <a:fld id="{6AD32B54-4E2B-B741-BCC7-DD16E09ECDE1}" type="slidenum">
               <a:rPr lang="en-US" smtClean="0"/>
+              <a:pPr/>
               <a:t>‹#›</a:t>
             </a:fld>
             <a:endParaRPr lang="en-US"/>
@@ -637,7 +642,7 @@
 </file>
 
 <file path=ppt/notesSlides/notesSlide1.xml><?xml version="1.0" encoding="utf-8"?>
-<p:notes xmlns:a="http://schemas.openxmlformats.org/drawingml/2006/main" xmlns:r="http://schemas.openxmlformats.org/officeDocument/2006/relationships" xmlns:mc="http://schemas.openxmlformats.org/markup-compatibility/2006" xmlns:mv="urn:schemas-microsoft-com:mac:vml" xmlns:p="http://schemas.openxmlformats.org/presentationml/2006/main" mc:Ignorable="mv" mc:PreserveAttributes="mv:*">
+<p:notes xmlns:a="http://schemas.openxmlformats.org/drawingml/2006/main" xmlns:r="http://schemas.openxmlformats.org/officeDocument/2006/relationships" xmlns:p="http://schemas.openxmlformats.org/presentationml/2006/main">
   <p:cSld>
     <p:spTree>
       <p:nvGrpSpPr>
@@ -707,6 +712,7 @@
           <a:p>
             <a:fld id="{6AD32B54-4E2B-B741-BCC7-DD16E09ECDE1}" type="slidenum">
               <a:rPr lang="en-US" smtClean="0"/>
+              <a:pPr/>
               <a:t>0</a:t>
             </a:fld>
             <a:endParaRPr lang="en-US"/>
@@ -722,7 +728,7 @@
 </file>
 
 <file path=ppt/notesSlides/notesSlide10.xml><?xml version="1.0" encoding="utf-8"?>
-<p:notes xmlns:a="http://schemas.openxmlformats.org/drawingml/2006/main" xmlns:r="http://schemas.openxmlformats.org/officeDocument/2006/relationships" xmlns:mc="http://schemas.openxmlformats.org/markup-compatibility/2006" xmlns:mv="urn:schemas-microsoft-com:mac:vml" xmlns:p="http://schemas.openxmlformats.org/presentationml/2006/main" mc:Ignorable="mv" mc:PreserveAttributes="mv:*">
+<p:notes xmlns:a="http://schemas.openxmlformats.org/drawingml/2006/main" xmlns:r="http://schemas.openxmlformats.org/officeDocument/2006/relationships" xmlns:p="http://schemas.openxmlformats.org/presentationml/2006/main">
   <p:cSld>
     <p:spTree>
       <p:nvGrpSpPr>
@@ -792,6 +798,7 @@
           <a:p>
             <a:fld id="{6AD32B54-4E2B-B741-BCC7-DD16E09ECDE1}" type="slidenum">
               <a:rPr lang="en-US" smtClean="0"/>
+              <a:pPr/>
               <a:t>9</a:t>
             </a:fld>
             <a:endParaRPr lang="en-US"/>
@@ -807,7 +814,7 @@
 </file>
 
 <file path=ppt/notesSlides/notesSlide11.xml><?xml version="1.0" encoding="utf-8"?>
-<p:notes xmlns:a="http://schemas.openxmlformats.org/drawingml/2006/main" xmlns:r="http://schemas.openxmlformats.org/officeDocument/2006/relationships" xmlns:mc="http://schemas.openxmlformats.org/markup-compatibility/2006" xmlns:mv="urn:schemas-microsoft-com:mac:vml" xmlns:p="http://schemas.openxmlformats.org/presentationml/2006/main" mc:Ignorable="mv" mc:PreserveAttributes="mv:*">
+<p:notes xmlns:a="http://schemas.openxmlformats.org/drawingml/2006/main" xmlns:r="http://schemas.openxmlformats.org/officeDocument/2006/relationships" xmlns:p="http://schemas.openxmlformats.org/presentationml/2006/main">
   <p:cSld>
     <p:spTree>
       <p:nvGrpSpPr>
@@ -877,6 +884,7 @@
           <a:p>
             <a:fld id="{6AD32B54-4E2B-B741-BCC7-DD16E09ECDE1}" type="slidenum">
               <a:rPr lang="en-US" smtClean="0"/>
+              <a:pPr/>
               <a:t>10</a:t>
             </a:fld>
             <a:endParaRPr lang="en-US"/>
@@ -892,7 +900,7 @@
 </file>
 
 <file path=ppt/notesSlides/notesSlide12.xml><?xml version="1.0" encoding="utf-8"?>
-<p:notes xmlns:a="http://schemas.openxmlformats.org/drawingml/2006/main" xmlns:r="http://schemas.openxmlformats.org/officeDocument/2006/relationships" xmlns:mc="http://schemas.openxmlformats.org/markup-compatibility/2006" xmlns:mv="urn:schemas-microsoft-com:mac:vml" xmlns:p="http://schemas.openxmlformats.org/presentationml/2006/main" mc:Ignorable="mv" mc:PreserveAttributes="mv:*">
+<p:notes xmlns:a="http://schemas.openxmlformats.org/drawingml/2006/main" xmlns:r="http://schemas.openxmlformats.org/officeDocument/2006/relationships" xmlns:p="http://schemas.openxmlformats.org/presentationml/2006/main">
   <p:cSld>
     <p:spTree>
       <p:nvGrpSpPr>
@@ -962,6 +970,7 @@
           <a:p>
             <a:fld id="{6AD32B54-4E2B-B741-BCC7-DD16E09ECDE1}" type="slidenum">
               <a:rPr lang="en-US" smtClean="0"/>
+              <a:pPr/>
               <a:t>11</a:t>
             </a:fld>
             <a:endParaRPr lang="en-US"/>
@@ -977,7 +986,7 @@
 </file>
 
 <file path=ppt/notesSlides/notesSlide13.xml><?xml version="1.0" encoding="utf-8"?>
-<p:notes xmlns:a="http://schemas.openxmlformats.org/drawingml/2006/main" xmlns:r="http://schemas.openxmlformats.org/officeDocument/2006/relationships" xmlns:mc="http://schemas.openxmlformats.org/markup-compatibility/2006" xmlns:mv="urn:schemas-microsoft-com:mac:vml" xmlns:p="http://schemas.openxmlformats.org/presentationml/2006/main" mc:Ignorable="mv" mc:PreserveAttributes="mv:*">
+<p:notes xmlns:a="http://schemas.openxmlformats.org/drawingml/2006/main" xmlns:r="http://schemas.openxmlformats.org/officeDocument/2006/relationships" xmlns:p="http://schemas.openxmlformats.org/presentationml/2006/main">
   <p:cSld>
     <p:spTree>
       <p:nvGrpSpPr>
@@ -1047,6 +1056,7 @@
           <a:p>
             <a:fld id="{6AD32B54-4E2B-B741-BCC7-DD16E09ECDE1}" type="slidenum">
               <a:rPr lang="en-US" smtClean="0"/>
+              <a:pPr/>
               <a:t>13</a:t>
             </a:fld>
             <a:endParaRPr lang="en-US"/>
@@ -1062,7 +1072,7 @@
 </file>
 
 <file path=ppt/notesSlides/notesSlide14.xml><?xml version="1.0" encoding="utf-8"?>
-<p:notes xmlns:a="http://schemas.openxmlformats.org/drawingml/2006/main" xmlns:r="http://schemas.openxmlformats.org/officeDocument/2006/relationships" xmlns:mc="http://schemas.openxmlformats.org/markup-compatibility/2006" xmlns:mv="urn:schemas-microsoft-com:mac:vml" xmlns:p="http://schemas.openxmlformats.org/presentationml/2006/main" mc:Ignorable="mv" mc:PreserveAttributes="mv:*">
+<p:notes xmlns:a="http://schemas.openxmlformats.org/drawingml/2006/main" xmlns:r="http://schemas.openxmlformats.org/officeDocument/2006/relationships" xmlns:p="http://schemas.openxmlformats.org/presentationml/2006/main">
   <p:cSld>
     <p:spTree>
       <p:nvGrpSpPr>
@@ -1132,6 +1142,7 @@
           <a:p>
             <a:fld id="{6AD32B54-4E2B-B741-BCC7-DD16E09ECDE1}" type="slidenum">
               <a:rPr lang="en-US" smtClean="0"/>
+              <a:pPr/>
               <a:t>14</a:t>
             </a:fld>
             <a:endParaRPr lang="en-US"/>
@@ -1147,7 +1158,7 @@
 </file>
 
 <file path=ppt/notesSlides/notesSlide2.xml><?xml version="1.0" encoding="utf-8"?>
-<p:notes xmlns:a="http://schemas.openxmlformats.org/drawingml/2006/main" xmlns:r="http://schemas.openxmlformats.org/officeDocument/2006/relationships" xmlns:mc="http://schemas.openxmlformats.org/markup-compatibility/2006" xmlns:mv="urn:schemas-microsoft-com:mac:vml" xmlns:p="http://schemas.openxmlformats.org/presentationml/2006/main" mc:Ignorable="mv" mc:PreserveAttributes="mv:*">
+<p:notes xmlns:a="http://schemas.openxmlformats.org/drawingml/2006/main" xmlns:r="http://schemas.openxmlformats.org/officeDocument/2006/relationships" xmlns:p="http://schemas.openxmlformats.org/presentationml/2006/main">
   <p:cSld>
     <p:spTree>
       <p:nvGrpSpPr>
@@ -1217,6 +1228,7 @@
           <a:p>
             <a:fld id="{6AD32B54-4E2B-B741-BCC7-DD16E09ECDE1}" type="slidenum">
               <a:rPr lang="en-US" smtClean="0"/>
+              <a:pPr/>
               <a:t>1</a:t>
             </a:fld>
             <a:endParaRPr lang="en-US"/>
@@ -1232,7 +1244,7 @@
 </file>
 
 <file path=ppt/notesSlides/notesSlide3.xml><?xml version="1.0" encoding="utf-8"?>
-<p:notes xmlns:a="http://schemas.openxmlformats.org/drawingml/2006/main" xmlns:r="http://schemas.openxmlformats.org/officeDocument/2006/relationships" xmlns:mc="http://schemas.openxmlformats.org/markup-compatibility/2006" xmlns:mv="urn:schemas-microsoft-com:mac:vml" xmlns:p="http://schemas.openxmlformats.org/presentationml/2006/main" mc:Ignorable="mv" mc:PreserveAttributes="mv:*">
+<p:notes xmlns:a="http://schemas.openxmlformats.org/drawingml/2006/main" xmlns:r="http://schemas.openxmlformats.org/officeDocument/2006/relationships" xmlns:p="http://schemas.openxmlformats.org/presentationml/2006/main">
   <p:cSld>
     <p:spTree>
       <p:nvGrpSpPr>
@@ -1302,6 +1314,7 @@
           <a:p>
             <a:fld id="{6AD32B54-4E2B-B741-BCC7-DD16E09ECDE1}" type="slidenum">
               <a:rPr lang="en-US" smtClean="0"/>
+              <a:pPr/>
               <a:t>2</a:t>
             </a:fld>
             <a:endParaRPr lang="en-US"/>
@@ -1317,7 +1330,7 @@
 </file>
 
 <file path=ppt/notesSlides/notesSlide4.xml><?xml version="1.0" encoding="utf-8"?>
-<p:notes xmlns:a="http://schemas.openxmlformats.org/drawingml/2006/main" xmlns:r="http://schemas.openxmlformats.org/officeDocument/2006/relationships" xmlns:mc="http://schemas.openxmlformats.org/markup-compatibility/2006" xmlns:mv="urn:schemas-microsoft-com:mac:vml" xmlns:p="http://schemas.openxmlformats.org/presentationml/2006/main" mc:Ignorable="mv" mc:PreserveAttributes="mv:*">
+<p:notes xmlns:a="http://schemas.openxmlformats.org/drawingml/2006/main" xmlns:r="http://schemas.openxmlformats.org/officeDocument/2006/relationships" xmlns:p="http://schemas.openxmlformats.org/presentationml/2006/main">
   <p:cSld>
     <p:spTree>
       <p:nvGrpSpPr>
@@ -1387,6 +1400,7 @@
           <a:p>
             <a:fld id="{6AD32B54-4E2B-B741-BCC7-DD16E09ECDE1}" type="slidenum">
               <a:rPr lang="en-US" smtClean="0"/>
+              <a:pPr/>
               <a:t>3</a:t>
             </a:fld>
             <a:endParaRPr lang="en-US"/>
@@ -1402,7 +1416,7 @@
 </file>
 
 <file path=ppt/notesSlides/notesSlide5.xml><?xml version="1.0" encoding="utf-8"?>
-<p:notes xmlns:a="http://schemas.openxmlformats.org/drawingml/2006/main" xmlns:r="http://schemas.openxmlformats.org/officeDocument/2006/relationships" xmlns:mc="http://schemas.openxmlformats.org/markup-compatibility/2006" xmlns:mv="urn:schemas-microsoft-com:mac:vml" xmlns:p="http://schemas.openxmlformats.org/presentationml/2006/main" mc:Ignorable="mv" mc:PreserveAttributes="mv:*">
+<p:notes xmlns:a="http://schemas.openxmlformats.org/drawingml/2006/main" xmlns:r="http://schemas.openxmlformats.org/officeDocument/2006/relationships" xmlns:p="http://schemas.openxmlformats.org/presentationml/2006/main">
   <p:cSld>
     <p:spTree>
       <p:nvGrpSpPr>
@@ -1472,6 +1486,7 @@
           <a:p>
             <a:fld id="{6AD32B54-4E2B-B741-BCC7-DD16E09ECDE1}" type="slidenum">
               <a:rPr lang="en-US" smtClean="0"/>
+              <a:pPr/>
               <a:t>4</a:t>
             </a:fld>
             <a:endParaRPr lang="en-US"/>
@@ -1487,7 +1502,7 @@
 </file>
 
 <file path=ppt/notesSlides/notesSlide6.xml><?xml version="1.0" encoding="utf-8"?>
-<p:notes xmlns:a="http://schemas.openxmlformats.org/drawingml/2006/main" xmlns:r="http://schemas.openxmlformats.org/officeDocument/2006/relationships" xmlns:mc="http://schemas.openxmlformats.org/markup-compatibility/2006" xmlns:mv="urn:schemas-microsoft-com:mac:vml" xmlns:p="http://schemas.openxmlformats.org/presentationml/2006/main" mc:Ignorable="mv" mc:PreserveAttributes="mv:*">
+<p:notes xmlns:a="http://schemas.openxmlformats.org/drawingml/2006/main" xmlns:r="http://schemas.openxmlformats.org/officeDocument/2006/relationships" xmlns:p="http://schemas.openxmlformats.org/presentationml/2006/main">
   <p:cSld>
     <p:spTree>
       <p:nvGrpSpPr>
@@ -1557,6 +1572,7 @@
           <a:p>
             <a:fld id="{6AD32B54-4E2B-B741-BCC7-DD16E09ECDE1}" type="slidenum">
               <a:rPr lang="en-US" smtClean="0"/>
+              <a:pPr/>
               <a:t>5</a:t>
             </a:fld>
             <a:endParaRPr lang="en-US"/>
@@ -1572,7 +1588,7 @@
 </file>
 
 <file path=ppt/notesSlides/notesSlide7.xml><?xml version="1.0" encoding="utf-8"?>
-<p:notes xmlns:a="http://schemas.openxmlformats.org/drawingml/2006/main" xmlns:r="http://schemas.openxmlformats.org/officeDocument/2006/relationships" xmlns:mc="http://schemas.openxmlformats.org/markup-compatibility/2006" xmlns:mv="urn:schemas-microsoft-com:mac:vml" xmlns:p="http://schemas.openxmlformats.org/presentationml/2006/main" mc:Ignorable="mv" mc:PreserveAttributes="mv:*">
+<p:notes xmlns:a="http://schemas.openxmlformats.org/drawingml/2006/main" xmlns:r="http://schemas.openxmlformats.org/officeDocument/2006/relationships" xmlns:p="http://schemas.openxmlformats.org/presentationml/2006/main">
   <p:cSld>
     <p:spTree>
       <p:nvGrpSpPr>
@@ -1642,6 +1658,7 @@
           <a:p>
             <a:fld id="{6AD32B54-4E2B-B741-BCC7-DD16E09ECDE1}" type="slidenum">
               <a:rPr lang="en-US" smtClean="0"/>
+              <a:pPr/>
               <a:t>6</a:t>
             </a:fld>
             <a:endParaRPr lang="en-US"/>
@@ -1657,7 +1674,7 @@
 </file>
 
 <file path=ppt/notesSlides/notesSlide8.xml><?xml version="1.0" encoding="utf-8"?>
-<p:notes xmlns:a="http://schemas.openxmlformats.org/drawingml/2006/main" xmlns:r="http://schemas.openxmlformats.org/officeDocument/2006/relationships" xmlns:mc="http://schemas.openxmlformats.org/markup-compatibility/2006" xmlns:mv="urn:schemas-microsoft-com:mac:vml" xmlns:p="http://schemas.openxmlformats.org/presentationml/2006/main" mc:Ignorable="mv" mc:PreserveAttributes="mv:*">
+<p:notes xmlns:a="http://schemas.openxmlformats.org/drawingml/2006/main" xmlns:r="http://schemas.openxmlformats.org/officeDocument/2006/relationships" xmlns:p="http://schemas.openxmlformats.org/presentationml/2006/main">
   <p:cSld>
     <p:spTree>
       <p:nvGrpSpPr>
@@ -1727,6 +1744,7 @@
           <a:p>
             <a:fld id="{6AD32B54-4E2B-B741-BCC7-DD16E09ECDE1}" type="slidenum">
               <a:rPr lang="en-US" smtClean="0"/>
+              <a:pPr/>
               <a:t>7</a:t>
             </a:fld>
             <a:endParaRPr lang="en-US"/>
@@ -1742,7 +1760,7 @@
 </file>
 
 <file path=ppt/notesSlides/notesSlide9.xml><?xml version="1.0" encoding="utf-8"?>
-<p:notes xmlns:a="http://schemas.openxmlformats.org/drawingml/2006/main" xmlns:r="http://schemas.openxmlformats.org/officeDocument/2006/relationships" xmlns:mc="http://schemas.openxmlformats.org/markup-compatibility/2006" xmlns:mv="urn:schemas-microsoft-com:mac:vml" xmlns:p="http://schemas.openxmlformats.org/presentationml/2006/main" mc:Ignorable="mv" mc:PreserveAttributes="mv:*">
+<p:notes xmlns:a="http://schemas.openxmlformats.org/drawingml/2006/main" xmlns:r="http://schemas.openxmlformats.org/officeDocument/2006/relationships" xmlns:p="http://schemas.openxmlformats.org/presentationml/2006/main">
   <p:cSld>
     <p:spTree>
       <p:nvGrpSpPr>
@@ -1812,6 +1830,7 @@
           <a:p>
             <a:fld id="{6AD32B54-4E2B-B741-BCC7-DD16E09ECDE1}" type="slidenum">
               <a:rPr lang="en-US" smtClean="0"/>
+              <a:pPr/>
               <a:t>8</a:t>
             </a:fld>
             <a:endParaRPr lang="en-US"/>
@@ -1827,7 +1846,7 @@
 </file>
 
 <file path=ppt/slideLayouts/slideLayout1.xml><?xml version="1.0" encoding="utf-8"?>
-<p:sldLayout xmlns:a="http://schemas.openxmlformats.org/drawingml/2006/main" xmlns:r="http://schemas.openxmlformats.org/officeDocument/2006/relationships" xmlns:mc="http://schemas.openxmlformats.org/markup-compatibility/2006" xmlns:mv="urn:schemas-microsoft-com:mac:vml" xmlns:p="http://schemas.openxmlformats.org/presentationml/2006/main" mc:Ignorable="mv" mc:PreserveAttributes="mv:*" showMasterSp="0" type="title" preserve="1">
+<p:sldLayout xmlns:a="http://schemas.openxmlformats.org/drawingml/2006/main" xmlns:r="http://schemas.openxmlformats.org/officeDocument/2006/relationships" xmlns:p="http://schemas.openxmlformats.org/presentationml/2006/main" showMasterSp="0" type="title" preserve="1">
   <p:cSld name="Title Slide">
     <p:bg>
       <p:bgRef idx="1001">
@@ -2106,7 +2125,8 @@
           <a:p>
             <a:fld id="{16924117-EA3C-6F43-A171-338463A4B840}" type="datetime1">
               <a:rPr lang="en-US" smtClean="0"/>
-              <a:t>12/10/09</a:t>
+              <a:pPr/>
+              <a:t>12/10/2009</a:t>
             </a:fld>
             <a:endParaRPr lang="en-US"/>
           </a:p>
@@ -2387,7 +2407,7 @@
 </file>
 
 <file path=ppt/slideLayouts/slideLayout10.xml><?xml version="1.0" encoding="utf-8"?>
-<p:sldLayout xmlns:a="http://schemas.openxmlformats.org/drawingml/2006/main" xmlns:r="http://schemas.openxmlformats.org/officeDocument/2006/relationships" xmlns:mc="http://schemas.openxmlformats.org/markup-compatibility/2006" xmlns:mv="urn:schemas-microsoft-com:mac:vml" xmlns:p="http://schemas.openxmlformats.org/presentationml/2006/main" mc:Ignorable="mv" mc:PreserveAttributes="mv:*" type="vertTx" preserve="1">
+<p:sldLayout xmlns:a="http://schemas.openxmlformats.org/drawingml/2006/main" xmlns:r="http://schemas.openxmlformats.org/officeDocument/2006/relationships" xmlns:p="http://schemas.openxmlformats.org/presentationml/2006/main" type="vertTx" preserve="1">
   <p:cSld name="Title and Vertical Text">
     <p:bg>
       <p:bgRef idx="1001">
@@ -2500,7 +2520,8 @@
           <a:p>
             <a:fld id="{FD175530-EACC-D243-BEC9-D8B8154A7BFC}" type="datetime1">
               <a:rPr lang="en-US" smtClean="0"/>
-              <a:t>12/10/09</a:t>
+              <a:pPr/>
+              <a:t>12/10/2009</a:t>
             </a:fld>
             <a:endParaRPr lang="en-US"/>
           </a:p>
@@ -2558,7 +2579,7 @@
 </file>
 
 <file path=ppt/slideLayouts/slideLayout11.xml><?xml version="1.0" encoding="utf-8"?>
-<p:sldLayout xmlns:a="http://schemas.openxmlformats.org/drawingml/2006/main" xmlns:r="http://schemas.openxmlformats.org/officeDocument/2006/relationships" xmlns:mc="http://schemas.openxmlformats.org/markup-compatibility/2006" xmlns:mv="urn:schemas-microsoft-com:mac:vml" xmlns:p="http://schemas.openxmlformats.org/presentationml/2006/main" mc:Ignorable="mv" mc:PreserveAttributes="mv:*" showMasterSp="0" type="vertTitleAndTx" preserve="1">
+<p:sldLayout xmlns:a="http://schemas.openxmlformats.org/drawingml/2006/main" xmlns:r="http://schemas.openxmlformats.org/officeDocument/2006/relationships" xmlns:p="http://schemas.openxmlformats.org/presentationml/2006/main" showMasterSp="0" type="vertTitleAndTx" preserve="1">
   <p:cSld name="Vertical Title and Text">
     <p:bg>
       <p:bgRef idx="1001">
@@ -3034,7 +3055,8 @@
           <a:p>
             <a:fld id="{DF66B5CD-72C4-8B45-812A-1799103EE58F}" type="datetime1">
               <a:rPr lang="en-US" smtClean="0"/>
-              <a:t>12/10/09</a:t>
+              <a:pPr/>
+              <a:t>12/10/2009</a:t>
             </a:fld>
             <a:endParaRPr lang="en-US"/>
           </a:p>
@@ -3096,7 +3118,7 @@
 </file>
 
 <file path=ppt/slideLayouts/slideLayout2.xml><?xml version="1.0" encoding="utf-8"?>
-<p:sldLayout xmlns:a="http://schemas.openxmlformats.org/drawingml/2006/main" xmlns:r="http://schemas.openxmlformats.org/officeDocument/2006/relationships" xmlns:mc="http://schemas.openxmlformats.org/markup-compatibility/2006" xmlns:mv="urn:schemas-microsoft-com:mac:vml" xmlns:p="http://schemas.openxmlformats.org/presentationml/2006/main" mc:Ignorable="mv" mc:PreserveAttributes="mv:*" type="obj" preserve="1">
+<p:sldLayout xmlns:a="http://schemas.openxmlformats.org/drawingml/2006/main" xmlns:r="http://schemas.openxmlformats.org/officeDocument/2006/relationships" xmlns:p="http://schemas.openxmlformats.org/presentationml/2006/main" type="obj" preserve="1">
   <p:cSld name="Title and Content">
     <p:bg>
       <p:bgRef idx="1001">
@@ -3167,7 +3189,8 @@
           <a:p>
             <a:fld id="{68884635-B97E-1949-B44D-DFCCC80E4DDD}" type="datetime1">
               <a:rPr lang="en-US" smtClean="0"/>
-              <a:t>12/10/09</a:t>
+              <a:pPr/>
+              <a:t>12/10/2009</a:t>
             </a:fld>
             <a:endParaRPr lang="en-US"/>
           </a:p>
@@ -3287,7 +3310,7 @@
 </file>
 
 <file path=ppt/slideLayouts/slideLayout3.xml><?xml version="1.0" encoding="utf-8"?>
-<p:sldLayout xmlns:a="http://schemas.openxmlformats.org/drawingml/2006/main" xmlns:r="http://schemas.openxmlformats.org/officeDocument/2006/relationships" xmlns:mc="http://schemas.openxmlformats.org/markup-compatibility/2006" xmlns:mv="urn:schemas-microsoft-com:mac:vml" xmlns:p="http://schemas.openxmlformats.org/presentationml/2006/main" mc:Ignorable="mv" mc:PreserveAttributes="mv:*" showMasterSp="0" type="secHead" preserve="1">
+<p:sldLayout xmlns:a="http://schemas.openxmlformats.org/drawingml/2006/main" xmlns:r="http://schemas.openxmlformats.org/officeDocument/2006/relationships" xmlns:p="http://schemas.openxmlformats.org/presentationml/2006/main" showMasterSp="0" type="secHead" preserve="1">
   <p:cSld name="Section Header">
     <p:bg>
       <p:bgRef idx="1001">
@@ -3711,7 +3734,8 @@
           <a:p>
             <a:fld id="{338251BE-8A7D-7246-A82D-98B62581B205}" type="datetime1">
               <a:rPr lang="en-US" smtClean="0"/>
-              <a:t>12/10/09</a:t>
+              <a:pPr/>
+              <a:t>12/10/2009</a:t>
             </a:fld>
             <a:endParaRPr lang="en-US"/>
           </a:p>
@@ -3936,7 +3960,7 @@
 </file>
 
 <file path=ppt/slideLayouts/slideLayout4.xml><?xml version="1.0" encoding="utf-8"?>
-<p:sldLayout xmlns:a="http://schemas.openxmlformats.org/drawingml/2006/main" xmlns:r="http://schemas.openxmlformats.org/officeDocument/2006/relationships" xmlns:mc="http://schemas.openxmlformats.org/markup-compatibility/2006" xmlns:mv="urn:schemas-microsoft-com:mac:vml" xmlns:p="http://schemas.openxmlformats.org/presentationml/2006/main" mc:Ignorable="mv" mc:PreserveAttributes="mv:*" type="twoObj" preserve="1">
+<p:sldLayout xmlns:a="http://schemas.openxmlformats.org/drawingml/2006/main" xmlns:r="http://schemas.openxmlformats.org/officeDocument/2006/relationships" xmlns:p="http://schemas.openxmlformats.org/presentationml/2006/main" type="twoObj" preserve="1">
   <p:cSld name="Two Content">
     <p:bg>
       <p:bgRef idx="1001">
@@ -4007,7 +4031,8 @@
           <a:p>
             <a:fld id="{49D6D60F-356A-054E-90C3-8C11C7DB96D7}" type="datetime1">
               <a:rPr lang="en-US" smtClean="0"/>
-              <a:t>12/10/09</a:t>
+              <a:pPr/>
+              <a:t>12/10/2009</a:t>
             </a:fld>
             <a:endParaRPr lang="en-US"/>
           </a:p>
@@ -4223,7 +4248,7 @@
 </file>
 
 <file path=ppt/slideLayouts/slideLayout5.xml><?xml version="1.0" encoding="utf-8"?>
-<p:sldLayout xmlns:a="http://schemas.openxmlformats.org/drawingml/2006/main" xmlns:r="http://schemas.openxmlformats.org/officeDocument/2006/relationships" xmlns:mc="http://schemas.openxmlformats.org/markup-compatibility/2006" xmlns:mv="urn:schemas-microsoft-com:mac:vml" xmlns:p="http://schemas.openxmlformats.org/presentationml/2006/main" mc:Ignorable="mv" mc:PreserveAttributes="mv:*" showMasterSp="0" type="twoTxTwoObj" preserve="1">
+<p:sldLayout xmlns:a="http://schemas.openxmlformats.org/drawingml/2006/main" xmlns:r="http://schemas.openxmlformats.org/officeDocument/2006/relationships" xmlns:p="http://schemas.openxmlformats.org/presentationml/2006/main" showMasterSp="0" type="twoTxTwoObj" preserve="1">
   <p:cSld name="Comparison">
     <p:bg>
       <p:bgRef idx="1001">
@@ -4667,7 +4692,8 @@
           <a:p>
             <a:fld id="{B815C281-BA09-6745-9C9C-265E45DD1BEC}" type="datetime1">
               <a:rPr lang="en-US" smtClean="0"/>
-              <a:t>12/10/09</a:t>
+              <a:pPr/>
+              <a:t>12/10/2009</a:t>
             </a:fld>
             <a:endParaRPr lang="en-US"/>
           </a:p>
@@ -5048,7 +5074,7 @@
 </file>
 
 <file path=ppt/slideLayouts/slideLayout6.xml><?xml version="1.0" encoding="utf-8"?>
-<p:sldLayout xmlns:a="http://schemas.openxmlformats.org/drawingml/2006/main" xmlns:r="http://schemas.openxmlformats.org/officeDocument/2006/relationships" xmlns:mc="http://schemas.openxmlformats.org/markup-compatibility/2006" xmlns:mv="urn:schemas-microsoft-com:mac:vml" xmlns:p="http://schemas.openxmlformats.org/presentationml/2006/main" mc:Ignorable="mv" mc:PreserveAttributes="mv:*" type="titleOnly" preserve="1">
+<p:sldLayout xmlns:a="http://schemas.openxmlformats.org/drawingml/2006/main" xmlns:r="http://schemas.openxmlformats.org/officeDocument/2006/relationships" xmlns:p="http://schemas.openxmlformats.org/presentationml/2006/main" type="titleOnly" preserve="1">
   <p:cSld name="Title Only">
     <p:spTree>
       <p:nvGrpSpPr>
@@ -5104,7 +5130,8 @@
           <a:p>
             <a:fld id="{454FB556-C24D-3C4A-B145-C047C27588D6}" type="datetime1">
               <a:rPr lang="en-US" smtClean="0"/>
-              <a:t>12/10/09</a:t>
+              <a:pPr/>
+              <a:t>12/10/2009</a:t>
             </a:fld>
             <a:endParaRPr lang="en-US"/>
           </a:p>
@@ -5167,7 +5194,7 @@
 </file>
 
 <file path=ppt/slideLayouts/slideLayout7.xml><?xml version="1.0" encoding="utf-8"?>
-<p:sldLayout xmlns:a="http://schemas.openxmlformats.org/drawingml/2006/main" xmlns:r="http://schemas.openxmlformats.org/officeDocument/2006/relationships" xmlns:mc="http://schemas.openxmlformats.org/markup-compatibility/2006" xmlns:mv="urn:schemas-microsoft-com:mac:vml" xmlns:p="http://schemas.openxmlformats.org/presentationml/2006/main" mc:Ignorable="mv" mc:PreserveAttributes="mv:*" showMasterSp="0" type="blank" preserve="1">
+<p:sldLayout xmlns:a="http://schemas.openxmlformats.org/drawingml/2006/main" xmlns:r="http://schemas.openxmlformats.org/officeDocument/2006/relationships" xmlns:p="http://schemas.openxmlformats.org/presentationml/2006/main" showMasterSp="0" type="blank" preserve="1">
   <p:cSld name="Blank">
     <p:spTree>
       <p:nvGrpSpPr>
@@ -5418,7 +5445,8 @@
           <a:p>
             <a:fld id="{FF6FBBC3-C32C-3845-A9CF-DE46171B9AAE}" type="datetime1">
               <a:rPr lang="en-US" smtClean="0"/>
-              <a:t>12/10/09</a:t>
+              <a:pPr/>
+              <a:t>12/10/2009</a:t>
             </a:fld>
             <a:endParaRPr lang="en-US"/>
           </a:p>
@@ -5489,7 +5517,7 @@
 </file>
 
 <file path=ppt/slideLayouts/slideLayout8.xml><?xml version="1.0" encoding="utf-8"?>
-<p:sldLayout xmlns:a="http://schemas.openxmlformats.org/drawingml/2006/main" xmlns:r="http://schemas.openxmlformats.org/officeDocument/2006/relationships" xmlns:mc="http://schemas.openxmlformats.org/markup-compatibility/2006" xmlns:mv="urn:schemas-microsoft-com:mac:vml" xmlns:p="http://schemas.openxmlformats.org/presentationml/2006/main" mc:Ignorable="mv" mc:PreserveAttributes="mv:*" showMasterSp="0" type="objTx" preserve="1">
+<p:sldLayout xmlns:a="http://schemas.openxmlformats.org/drawingml/2006/main" xmlns:r="http://schemas.openxmlformats.org/officeDocument/2006/relationships" xmlns:p="http://schemas.openxmlformats.org/presentationml/2006/main" showMasterSp="0" type="objTx" preserve="1">
   <p:cSld name="Content with Caption">
     <p:bg>
       <p:bgRef idx="1001">
@@ -6152,7 +6180,8 @@
           <a:p>
             <a:fld id="{AB905C73-863C-7B46-A7FF-C758F90F01D3}" type="datetime1">
               <a:rPr lang="en-US" smtClean="0"/>
-              <a:t>12/10/09</a:t>
+              <a:pPr/>
+              <a:t>12/10/2009</a:t>
             </a:fld>
             <a:endParaRPr lang="en-US"/>
           </a:p>
@@ -6191,7 +6220,7 @@
 </file>
 
 <file path=ppt/slideLayouts/slideLayout9.xml><?xml version="1.0" encoding="utf-8"?>
-<p:sldLayout xmlns:a="http://schemas.openxmlformats.org/drawingml/2006/main" xmlns:r="http://schemas.openxmlformats.org/officeDocument/2006/relationships" xmlns:mc="http://schemas.openxmlformats.org/markup-compatibility/2006" xmlns:mv="urn:schemas-microsoft-com:mac:vml" xmlns:p="http://schemas.openxmlformats.org/presentationml/2006/main" mc:Ignorable="mv" mc:PreserveAttributes="mv:*" showMasterSp="0" type="picTx" preserve="1">
+<p:sldLayout xmlns:a="http://schemas.openxmlformats.org/drawingml/2006/main" xmlns:r="http://schemas.openxmlformats.org/officeDocument/2006/relationships" xmlns:p="http://schemas.openxmlformats.org/presentationml/2006/main" showMasterSp="0" type="picTx" preserve="1">
   <p:cSld name="Picture with Caption">
     <p:spTree>
       <p:nvGrpSpPr>
@@ -6817,7 +6846,8 @@
           <a:p>
             <a:fld id="{316A71E8-CFB5-B249-9FD4-2F49FA257930}" type="datetime1">
               <a:rPr lang="en-US" smtClean="0"/>
-              <a:t>12/10/09</a:t>
+              <a:pPr/>
+              <a:t>12/10/2009</a:t>
             </a:fld>
             <a:endParaRPr lang="en-US"/>
           </a:p>
@@ -6856,7 +6886,7 @@
 </file>
 
 <file path=ppt/slideMasters/slideMaster1.xml><?xml version="1.0" encoding="utf-8"?>
-<p:sldMaster xmlns:a="http://schemas.openxmlformats.org/drawingml/2006/main" xmlns:r="http://schemas.openxmlformats.org/officeDocument/2006/relationships" xmlns:mc="http://schemas.openxmlformats.org/markup-compatibility/2006" xmlns:mv="urn:schemas-microsoft-com:mac:vml" xmlns:p="http://schemas.openxmlformats.org/presentationml/2006/main" mc:Ignorable="mv" mc:PreserveAttributes="mv:*">
+<p:sldMaster xmlns:a="http://schemas.openxmlformats.org/drawingml/2006/main" xmlns:r="http://schemas.openxmlformats.org/officeDocument/2006/relationships" xmlns:p="http://schemas.openxmlformats.org/presentationml/2006/main">
   <p:cSld>
     <p:bg>
       <p:bgRef idx="1001">
@@ -7090,7 +7120,8 @@
           <a:p>
             <a:fld id="{E5695C7C-9C6B-214E-8814-E33CF437C18F}" type="datetime1">
               <a:rPr lang="en-US" smtClean="0"/>
-              <a:t>12/10/09</a:t>
+              <a:pPr/>
+              <a:t>12/10/2009</a:t>
             </a:fld>
             <a:endParaRPr lang="en-US"/>
           </a:p>
@@ -7749,7 +7780,7 @@
 </file>
 
 <file path=ppt/slides/slide1.xml><?xml version="1.0" encoding="utf-8"?>
-<p:sld xmlns:a="http://schemas.openxmlformats.org/drawingml/2006/main" xmlns:r="http://schemas.openxmlformats.org/officeDocument/2006/relationships" xmlns:mc="http://schemas.openxmlformats.org/markup-compatibility/2006" xmlns:mv="urn:schemas-microsoft-com:mac:vml" xmlns:p="http://schemas.openxmlformats.org/presentationml/2006/main" mc:Ignorable="mv" mc:PreserveAttributes="mv:*">
+<p:sld xmlns:a="http://schemas.openxmlformats.org/drawingml/2006/main" xmlns:r="http://schemas.openxmlformats.org/officeDocument/2006/relationships" xmlns:p="http://schemas.openxmlformats.org/presentationml/2006/main">
   <p:cSld>
     <p:spTree>
       <p:nvGrpSpPr>
@@ -7883,7 +7914,7 @@
 </file>
 
 <file path=ppt/slides/slide10.xml><?xml version="1.0" encoding="utf-8"?>
-<p:sld xmlns:a="http://schemas.openxmlformats.org/drawingml/2006/main" xmlns:r="http://schemas.openxmlformats.org/officeDocument/2006/relationships" xmlns:mc="http://schemas.openxmlformats.org/markup-compatibility/2006" xmlns:mv="urn:schemas-microsoft-com:mac:vml" xmlns:p="http://schemas.openxmlformats.org/presentationml/2006/main" mc:Ignorable="mv" mc:PreserveAttributes="mv:*">
+<p:sld xmlns:a="http://schemas.openxmlformats.org/drawingml/2006/main" xmlns:r="http://schemas.openxmlformats.org/officeDocument/2006/relationships" xmlns:p="http://schemas.openxmlformats.org/presentationml/2006/main">
   <p:cSld>
     <p:spTree>
       <p:nvGrpSpPr>
@@ -7999,7 +8030,6 @@
               <a:rPr lang="en-US" sz="2400" dirty="0" smtClean="0"/>
               <a:t>Similar to standard file handles</a:t>
             </a:r>
-            <a:endParaRPr lang="en-US" sz="2400" dirty="0" smtClean="0"/>
           </a:p>
           <a:p>
             <a:pPr lvl="1"/>
@@ -8060,7 +8090,7 @@
 </file>
 
 <file path=ppt/slides/slide11.xml><?xml version="1.0" encoding="utf-8"?>
-<p:sld xmlns:a="http://schemas.openxmlformats.org/drawingml/2006/main" xmlns:r="http://schemas.openxmlformats.org/officeDocument/2006/relationships" xmlns:mc="http://schemas.openxmlformats.org/markup-compatibility/2006" xmlns:mv="urn:schemas-microsoft-com:mac:vml" xmlns:p="http://schemas.openxmlformats.org/presentationml/2006/main" mc:Ignorable="mv" mc:PreserveAttributes="mv:*">
+<p:sld xmlns:a="http://schemas.openxmlformats.org/drawingml/2006/main" xmlns:r="http://schemas.openxmlformats.org/officeDocument/2006/relationships" xmlns:p="http://schemas.openxmlformats.org/presentationml/2006/main">
   <p:cSld>
     <p:spTree>
       <p:nvGrpSpPr>
@@ -8234,7 +8264,7 @@
 </file>
 
 <file path=ppt/slides/slide12.xml><?xml version="1.0" encoding="utf-8"?>
-<p:sld xmlns:a="http://schemas.openxmlformats.org/drawingml/2006/main" xmlns:r="http://schemas.openxmlformats.org/officeDocument/2006/relationships" xmlns:mc="http://schemas.openxmlformats.org/markup-compatibility/2006" xmlns:mv="urn:schemas-microsoft-com:mac:vml" xmlns:p="http://schemas.openxmlformats.org/presentationml/2006/main" mc:Ignorable="mv" mc:PreserveAttributes="mv:*">
+<p:sld xmlns:a="http://schemas.openxmlformats.org/drawingml/2006/main" xmlns:r="http://schemas.openxmlformats.org/officeDocument/2006/relationships" xmlns:p="http://schemas.openxmlformats.org/presentationml/2006/main">
   <p:cSld>
     <p:spTree>
       <p:nvGrpSpPr>
@@ -8472,7 +8502,7 @@
 </file>
 
 <file path=ppt/slides/slide13.xml><?xml version="1.0" encoding="utf-8"?>
-<p:sld xmlns:a="http://schemas.openxmlformats.org/drawingml/2006/main" xmlns:r="http://schemas.openxmlformats.org/officeDocument/2006/relationships" xmlns:mc="http://schemas.openxmlformats.org/markup-compatibility/2006" xmlns:mv="urn:schemas-microsoft-com:mac:vml" xmlns:p="http://schemas.openxmlformats.org/presentationml/2006/main" mc:Ignorable="mv" mc:PreserveAttributes="mv:*">
+<p:sld xmlns:a="http://schemas.openxmlformats.org/drawingml/2006/main" xmlns:r="http://schemas.openxmlformats.org/officeDocument/2006/relationships" xmlns:p="http://schemas.openxmlformats.org/presentationml/2006/main">
   <p:cSld>
     <p:spTree>
       <p:nvGrpSpPr>
@@ -8553,7 +8583,7 @@
 </file>
 
 <file path=ppt/slides/slide14.xml><?xml version="1.0" encoding="utf-8"?>
-<p:sld xmlns:a="http://schemas.openxmlformats.org/drawingml/2006/main" xmlns:r="http://schemas.openxmlformats.org/officeDocument/2006/relationships" xmlns:mc="http://schemas.openxmlformats.org/markup-compatibility/2006" xmlns:mv="urn:schemas-microsoft-com:mac:vml" xmlns:p="http://schemas.openxmlformats.org/presentationml/2006/main" mc:Ignorable="mv" mc:PreserveAttributes="mv:*">
+<p:sld xmlns:a="http://schemas.openxmlformats.org/drawingml/2006/main" xmlns:r="http://schemas.openxmlformats.org/officeDocument/2006/relationships" xmlns:p="http://schemas.openxmlformats.org/presentationml/2006/main">
   <p:cSld>
     <p:spTree>
       <p:nvGrpSpPr>
@@ -8694,7 +8724,7 @@
 </file>
 
 <file path=ppt/slides/slide15.xml><?xml version="1.0" encoding="utf-8"?>
-<p:sld xmlns:a="http://schemas.openxmlformats.org/drawingml/2006/main" xmlns:r="http://schemas.openxmlformats.org/officeDocument/2006/relationships" xmlns:mc="http://schemas.openxmlformats.org/markup-compatibility/2006" xmlns:mv="urn:schemas-microsoft-com:mac:vml" xmlns:p="http://schemas.openxmlformats.org/presentationml/2006/main" mc:Ignorable="mv" mc:PreserveAttributes="mv:*">
+<p:sld xmlns:a="http://schemas.openxmlformats.org/drawingml/2006/main" xmlns:r="http://schemas.openxmlformats.org/officeDocument/2006/relationships" xmlns:p="http://schemas.openxmlformats.org/presentationml/2006/main">
   <p:cSld>
     <p:spTree>
       <p:nvGrpSpPr>
@@ -8882,8 +8912,99 @@
 </p:sld>
 </file>
 
+<file path=ppt/slides/slide16.xml><?xml version="1.0" encoding="utf-8"?>
+<p:sld xmlns:a="http://schemas.openxmlformats.org/drawingml/2006/main" xmlns:r="http://schemas.openxmlformats.org/officeDocument/2006/relationships" xmlns:p="http://schemas.openxmlformats.org/presentationml/2006/main">
+  <p:cSld>
+    <p:spTree>
+      <p:nvGrpSpPr>
+        <p:cNvPr id="1" name=""/>
+        <p:cNvGrpSpPr/>
+        <p:nvPr/>
+      </p:nvGrpSpPr>
+      <p:grpSpPr>
+        <a:xfrm>
+          <a:off x="0" y="0"/>
+          <a:ext cx="0" cy="0"/>
+          <a:chOff x="0" y="0"/>
+          <a:chExt cx="0" cy="0"/>
+        </a:xfrm>
+      </p:grpSpPr>
+      <p:sp>
+        <p:nvSpPr>
+          <p:cNvPr id="6" name="Subtitle 5"/>
+          <p:cNvSpPr>
+            <a:spLocks noGrp="1"/>
+          </p:cNvSpPr>
+          <p:nvPr>
+            <p:ph type="subTitle" idx="1"/>
+          </p:nvPr>
+        </p:nvSpPr>
+        <p:spPr/>
+        <p:txBody>
+          <a:bodyPr/>
+          <a:lstStyle/>
+          <a:p>
+            <a:endParaRPr lang="en-US"/>
+          </a:p>
+        </p:txBody>
+      </p:sp>
+      <p:sp>
+        <p:nvSpPr>
+          <p:cNvPr id="3" name="Slide Number Placeholder 2"/>
+          <p:cNvSpPr>
+            <a:spLocks noGrp="1"/>
+          </p:cNvSpPr>
+          <p:nvPr>
+            <p:ph type="sldNum" sz="quarter" idx="12"/>
+          </p:nvPr>
+        </p:nvSpPr>
+        <p:spPr/>
+        <p:txBody>
+          <a:bodyPr/>
+          <a:lstStyle/>
+          <a:p>
+            <a:fld id="{A52EC81D-B65E-2E49-A0EF-B2A1D56BC96B}" type="slidenum">
+              <a:rPr lang="en-US" smtClean="0"/>
+              <a:pPr/>
+              <a:t>15</a:t>
+            </a:fld>
+            <a:endParaRPr lang="en-US"/>
+          </a:p>
+        </p:txBody>
+      </p:sp>
+      <p:sp>
+        <p:nvSpPr>
+          <p:cNvPr id="5" name="Title 4"/>
+          <p:cNvSpPr>
+            <a:spLocks noGrp="1"/>
+          </p:cNvSpPr>
+          <p:nvPr>
+            <p:ph type="ctrTitle"/>
+          </p:nvPr>
+        </p:nvSpPr>
+        <p:spPr/>
+        <p:txBody>
+          <a:bodyPr/>
+          <a:lstStyle/>
+          <a:p>
+            <a:r>
+              <a:rPr lang="en-US" dirty="0" smtClean="0"/>
+              <a:t>Thank you!</a:t>
+            </a:r>
+            <a:endParaRPr lang="en-US" dirty="0"/>
+          </a:p>
+        </p:txBody>
+      </p:sp>
+    </p:spTree>
+  </p:cSld>
+  <p:clrMapOvr>
+    <a:masterClrMapping/>
+  </p:clrMapOvr>
+</p:sld>
+</file>
+
 <file path=ppt/slides/slide2.xml><?xml version="1.0" encoding="utf-8"?>
-<p:sld xmlns:a="http://schemas.openxmlformats.org/drawingml/2006/main" xmlns:r="http://schemas.openxmlformats.org/officeDocument/2006/relationships" xmlns:mc="http://schemas.openxmlformats.org/markup-compatibility/2006" xmlns:mv="urn:schemas-microsoft-com:mac:vml" xmlns:p="http://schemas.openxmlformats.org/presentationml/2006/main" mc:Ignorable="mv" mc:PreserveAttributes="mv:*">
+<p:sld xmlns:a="http://schemas.openxmlformats.org/drawingml/2006/main" xmlns:r="http://schemas.openxmlformats.org/officeDocument/2006/relationships" xmlns:p="http://schemas.openxmlformats.org/presentationml/2006/main">
   <p:cSld>
     <p:spTree>
       <p:nvGrpSpPr>
@@ -9033,7 +9154,7 @@
 </file>
 
 <file path=ppt/slides/slide3.xml><?xml version="1.0" encoding="utf-8"?>
-<p:sld xmlns:a="http://schemas.openxmlformats.org/drawingml/2006/main" xmlns:r="http://schemas.openxmlformats.org/officeDocument/2006/relationships" xmlns:mc="http://schemas.openxmlformats.org/markup-compatibility/2006" xmlns:mv="urn:schemas-microsoft-com:mac:vml" xmlns:p="http://schemas.openxmlformats.org/presentationml/2006/main" mc:Ignorable="mv" mc:PreserveAttributes="mv:*">
+<p:sld xmlns:a="http://schemas.openxmlformats.org/drawingml/2006/main" xmlns:r="http://schemas.openxmlformats.org/officeDocument/2006/relationships" xmlns:p="http://schemas.openxmlformats.org/presentationml/2006/main">
   <p:cSld>
     <p:spTree>
       <p:nvGrpSpPr>
@@ -9200,7 +9321,7 @@
 </file>
 
 <file path=ppt/slides/slide4.xml><?xml version="1.0" encoding="utf-8"?>
-<p:sld xmlns:a="http://schemas.openxmlformats.org/drawingml/2006/main" xmlns:r="http://schemas.openxmlformats.org/officeDocument/2006/relationships" xmlns:mc="http://schemas.openxmlformats.org/markup-compatibility/2006" xmlns:mv="urn:schemas-microsoft-com:mac:vml" xmlns:p="http://schemas.openxmlformats.org/presentationml/2006/main" mc:Ignorable="mv" mc:PreserveAttributes="mv:*">
+<p:sld xmlns:a="http://schemas.openxmlformats.org/drawingml/2006/main" xmlns:r="http://schemas.openxmlformats.org/officeDocument/2006/relationships" xmlns:p="http://schemas.openxmlformats.org/presentationml/2006/main">
   <p:cSld>
     <p:spTree>
       <p:nvGrpSpPr>
@@ -9284,19 +9405,21 @@
             <a:pPr lvl="1"/>
             <a:r>
               <a:rPr lang="en-US" dirty="0" smtClean="0"/>
-              <a:t>Need for constant uptime</a:t>
-            </a:r>
-          </a:p>
-          <a:p>
-            <a:r>
-              <a:rPr lang="en-US" dirty="0" smtClean="0"/>
-              <a:t>Master == metadata, Storage == data</a:t>
-            </a:r>
-          </a:p>
-          <a:p>
-            <a:r>
-              <a:rPr lang="en-US" dirty="0" smtClean="0"/>
-              <a:t>Fault Tolerance</a:t>
+              <a:t>Need for constant </a:t>
+            </a:r>
+            <a:r>
+              <a:rPr lang="en-US" dirty="0" smtClean="0"/>
+              <a:t>uptime</a:t>
+            </a:r>
+          </a:p>
+          <a:p>
+            <a:r>
+              <a:rPr lang="en-US" dirty="0" smtClean="0"/>
+              <a:t>Fault </a:t>
+            </a:r>
+            <a:r>
+              <a:rPr lang="en-US" dirty="0" smtClean="0"/>
+              <a:t>Tolerance</a:t>
             </a:r>
           </a:p>
           <a:p>
@@ -9365,7 +9488,7 @@
 </file>
 
 <file path=ppt/slides/slide5.xml><?xml version="1.0" encoding="utf-8"?>
-<p:sld xmlns:a="http://schemas.openxmlformats.org/drawingml/2006/main" xmlns:r="http://schemas.openxmlformats.org/officeDocument/2006/relationships" xmlns:mc="http://schemas.openxmlformats.org/markup-compatibility/2006" xmlns:mv="urn:schemas-microsoft-com:mac:vml" xmlns:p="http://schemas.openxmlformats.org/presentationml/2006/main" mc:Ignorable="mv" mc:PreserveAttributes="mv:*">
+<p:sld xmlns:a="http://schemas.openxmlformats.org/drawingml/2006/main" xmlns:r="http://schemas.openxmlformats.org/officeDocument/2006/relationships" xmlns:p="http://schemas.openxmlformats.org/presentationml/2006/main">
   <p:cSld>
     <p:spTree>
       <p:nvGrpSpPr>
@@ -9562,7 +9685,7 @@
 </file>
 
 <file path=ppt/slides/slide6.xml><?xml version="1.0" encoding="utf-8"?>
-<p:sld xmlns:a="http://schemas.openxmlformats.org/drawingml/2006/main" xmlns:r="http://schemas.openxmlformats.org/officeDocument/2006/relationships" xmlns:mc="http://schemas.openxmlformats.org/markup-compatibility/2006" xmlns:mv="urn:schemas-microsoft-com:mac:vml" xmlns:p="http://schemas.openxmlformats.org/presentationml/2006/main" mc:Ignorable="mv" mc:PreserveAttributes="mv:*">
+<p:sld xmlns:a="http://schemas.openxmlformats.org/drawingml/2006/main" xmlns:r="http://schemas.openxmlformats.org/officeDocument/2006/relationships" xmlns:p="http://schemas.openxmlformats.org/presentationml/2006/main">
   <p:cSld>
     <p:spTree>
       <p:nvGrpSpPr>
@@ -9718,7 +9841,7 @@
 </file>
 
 <file path=ppt/slides/slide7.xml><?xml version="1.0" encoding="utf-8"?>
-<p:sld xmlns:a="http://schemas.openxmlformats.org/drawingml/2006/main" xmlns:r="http://schemas.openxmlformats.org/officeDocument/2006/relationships" xmlns:mc="http://schemas.openxmlformats.org/markup-compatibility/2006" xmlns:mv="urn:schemas-microsoft-com:mac:vml" xmlns:p="http://schemas.openxmlformats.org/presentationml/2006/main" mc:Ignorable="mv" mc:PreserveAttributes="mv:*">
+<p:sld xmlns:a="http://schemas.openxmlformats.org/drawingml/2006/main" xmlns:r="http://schemas.openxmlformats.org/officeDocument/2006/relationships" xmlns:p="http://schemas.openxmlformats.org/presentationml/2006/main">
   <p:cSld>
     <p:spTree>
       <p:nvGrpSpPr>
@@ -12027,7 +12150,7 @@
 </file>
 
 <file path=ppt/slides/slide8.xml><?xml version="1.0" encoding="utf-8"?>
-<p:sld xmlns:a="http://schemas.openxmlformats.org/drawingml/2006/main" xmlns:r="http://schemas.openxmlformats.org/officeDocument/2006/relationships" xmlns:mc="http://schemas.openxmlformats.org/markup-compatibility/2006" xmlns:mv="urn:schemas-microsoft-com:mac:vml" xmlns:p="http://schemas.openxmlformats.org/presentationml/2006/main" mc:Ignorable="mv" mc:PreserveAttributes="mv:*">
+<p:sld xmlns:a="http://schemas.openxmlformats.org/drawingml/2006/main" xmlns:r="http://schemas.openxmlformats.org/officeDocument/2006/relationships" xmlns:p="http://schemas.openxmlformats.org/presentationml/2006/main">
   <p:cSld>
     <p:spTree>
       <p:nvGrpSpPr>
@@ -12200,7 +12323,7 @@
 </file>
 
 <file path=ppt/slides/slide9.xml><?xml version="1.0" encoding="utf-8"?>
-<p:sld xmlns:a="http://schemas.openxmlformats.org/drawingml/2006/main" xmlns:r="http://schemas.openxmlformats.org/officeDocument/2006/relationships" xmlns:mc="http://schemas.openxmlformats.org/markup-compatibility/2006" xmlns:mv="urn:schemas-microsoft-com:mac:vml" xmlns:p="http://schemas.openxmlformats.org/presentationml/2006/main" mc:Ignorable="mv" mc:PreserveAttributes="mv:*">
+<p:sld xmlns:a="http://schemas.openxmlformats.org/drawingml/2006/main" xmlns:r="http://schemas.openxmlformats.org/officeDocument/2006/relationships" xmlns:p="http://schemas.openxmlformats.org/presentationml/2006/main">
   <p:cSld>
     <p:spTree>
       <p:nvGrpSpPr>
